--- a/画面設計書（ショッピングサイト）.pptx
+++ b/画面設計書（ショッピングサイト）.pptx
@@ -11648,7 +11648,7 @@
           <a:p>
             <a:fld id="{9DE6D888-CC42-4991-8661-437CD51B2F4B}" type="datetimeFigureOut">
               <a:rPr kumimoji="1" lang="ja-JP" altLang="en-US" smtClean="0"/>
-              <a:t>2023/2/2</a:t>
+              <a:t>2023/5/25</a:t>
             </a:fld>
             <a:endParaRPr kumimoji="1" lang="ja-JP" altLang="en-US"/>
           </a:p>
@@ -11878,7 +11878,7 @@
           <a:p>
             <a:fld id="{9DE6D888-CC42-4991-8661-437CD51B2F4B}" type="datetimeFigureOut">
               <a:rPr kumimoji="1" lang="ja-JP" altLang="en-US" smtClean="0"/>
-              <a:t>2023/2/2</a:t>
+              <a:t>2023/5/25</a:t>
             </a:fld>
             <a:endParaRPr kumimoji="1" lang="ja-JP" altLang="en-US"/>
           </a:p>
@@ -12118,7 +12118,7 @@
           <a:p>
             <a:fld id="{9DE6D888-CC42-4991-8661-437CD51B2F4B}" type="datetimeFigureOut">
               <a:rPr kumimoji="1" lang="ja-JP" altLang="en-US" smtClean="0"/>
-              <a:t>2023/2/2</a:t>
+              <a:t>2023/5/25</a:t>
             </a:fld>
             <a:endParaRPr kumimoji="1" lang="ja-JP" altLang="en-US"/>
           </a:p>
@@ -12348,7 +12348,7 @@
           <a:p>
             <a:fld id="{9DE6D888-CC42-4991-8661-437CD51B2F4B}" type="datetimeFigureOut">
               <a:rPr kumimoji="1" lang="ja-JP" altLang="en-US" smtClean="0"/>
-              <a:t>2023/2/2</a:t>
+              <a:t>2023/5/25</a:t>
             </a:fld>
             <a:endParaRPr kumimoji="1" lang="ja-JP" altLang="en-US"/>
           </a:p>
@@ -12623,7 +12623,7 @@
           <a:p>
             <a:fld id="{9DE6D888-CC42-4991-8661-437CD51B2F4B}" type="datetimeFigureOut">
               <a:rPr kumimoji="1" lang="ja-JP" altLang="en-US" smtClean="0"/>
-              <a:t>2023/2/2</a:t>
+              <a:t>2023/5/25</a:t>
             </a:fld>
             <a:endParaRPr kumimoji="1" lang="ja-JP" altLang="en-US"/>
           </a:p>
@@ -12952,7 +12952,7 @@
           <a:p>
             <a:fld id="{9DE6D888-CC42-4991-8661-437CD51B2F4B}" type="datetimeFigureOut">
               <a:rPr kumimoji="1" lang="ja-JP" altLang="en-US" smtClean="0"/>
-              <a:t>2023/2/2</a:t>
+              <a:t>2023/5/25</a:t>
             </a:fld>
             <a:endParaRPr kumimoji="1" lang="ja-JP" altLang="en-US"/>
           </a:p>
@@ -13428,7 +13428,7 @@
           <a:p>
             <a:fld id="{9DE6D888-CC42-4991-8661-437CD51B2F4B}" type="datetimeFigureOut">
               <a:rPr kumimoji="1" lang="ja-JP" altLang="en-US" smtClean="0"/>
-              <a:t>2023/2/2</a:t>
+              <a:t>2023/5/25</a:t>
             </a:fld>
             <a:endParaRPr kumimoji="1" lang="ja-JP" altLang="en-US"/>
           </a:p>
@@ -13569,7 +13569,7 @@
           <a:p>
             <a:fld id="{9DE6D888-CC42-4991-8661-437CD51B2F4B}" type="datetimeFigureOut">
               <a:rPr kumimoji="1" lang="ja-JP" altLang="en-US" smtClean="0"/>
-              <a:t>2023/2/2</a:t>
+              <a:t>2023/5/25</a:t>
             </a:fld>
             <a:endParaRPr kumimoji="1" lang="ja-JP" altLang="en-US"/>
           </a:p>
@@ -13682,7 +13682,7 @@
           <a:p>
             <a:fld id="{9DE6D888-CC42-4991-8661-437CD51B2F4B}" type="datetimeFigureOut">
               <a:rPr kumimoji="1" lang="ja-JP" altLang="en-US" smtClean="0"/>
-              <a:t>2023/2/2</a:t>
+              <a:t>2023/5/25</a:t>
             </a:fld>
             <a:endParaRPr kumimoji="1" lang="ja-JP" altLang="en-US"/>
           </a:p>
@@ -14025,7 +14025,7 @@
           <a:p>
             <a:fld id="{9DE6D888-CC42-4991-8661-437CD51B2F4B}" type="datetimeFigureOut">
               <a:rPr kumimoji="1" lang="ja-JP" altLang="en-US" smtClean="0"/>
-              <a:t>2023/2/2</a:t>
+              <a:t>2023/5/25</a:t>
             </a:fld>
             <a:endParaRPr kumimoji="1" lang="ja-JP" altLang="en-US"/>
           </a:p>
@@ -14313,7 +14313,7 @@
           <a:p>
             <a:fld id="{9DE6D888-CC42-4991-8661-437CD51B2F4B}" type="datetimeFigureOut">
               <a:rPr kumimoji="1" lang="ja-JP" altLang="en-US" smtClean="0"/>
-              <a:t>2023/2/2</a:t>
+              <a:t>2023/5/25</a:t>
             </a:fld>
             <a:endParaRPr kumimoji="1" lang="ja-JP" altLang="en-US"/>
           </a:p>
@@ -14586,7 +14586,7 @@
           <a:p>
             <a:fld id="{9DE6D888-CC42-4991-8661-437CD51B2F4B}" type="datetimeFigureOut">
               <a:rPr kumimoji="1" lang="ja-JP" altLang="en-US" smtClean="0"/>
-              <a:t>2023/2/2</a:t>
+              <a:t>2023/5/25</a:t>
             </a:fld>
             <a:endParaRPr kumimoji="1" lang="ja-JP" altLang="en-US"/>
           </a:p>
@@ -21799,7 +21799,7 @@
             <a:p>
               <a:r>
                 <a:rPr lang="ja-JP" altLang="en-US" dirty="0"/>
-                <a:t>個数制限：　　　　　あり　　　個　　　なし</a:t>
+                <a:t>個数制限：　　　　　　　　　　</a:t>
               </a:r>
               <a:endParaRPr kumimoji="1" lang="en-US" altLang="ja-JP" dirty="0"/>
             </a:p>
@@ -22152,7 +22152,7 @@
           </p:nvSpPr>
           <p:spPr>
             <a:xfrm>
-              <a:off x="5432611" y="4502573"/>
+              <a:off x="6176680" y="4594271"/>
               <a:ext cx="385483" cy="248344"/>
             </a:xfrm>
             <a:prstGeom prst="rect">
@@ -22201,189 +22201,6 @@
                   <a:schemeClr val="tx1"/>
                 </a:solidFill>
               </a:endParaRPr>
-            </a:p>
-          </p:txBody>
-        </p:sp>
-        <p:grpSp>
-          <p:nvGrpSpPr>
-            <p:cNvPr id="18" name="グループ化 17">
-              <a:extLst>
-                <a:ext uri="{FF2B5EF4-FFF2-40B4-BE49-F238E27FC236}">
-                  <a16:creationId xmlns:a16="http://schemas.microsoft.com/office/drawing/2014/main" id="{A77AB458-4884-6AE2-82AA-F68FCFEC55CA}"/>
-                </a:ext>
-              </a:extLst>
-            </p:cNvPr>
-            <p:cNvGrpSpPr/>
-            <p:nvPr/>
-          </p:nvGrpSpPr>
-          <p:grpSpPr>
-            <a:xfrm flipH="1">
-              <a:off x="4444626" y="4502573"/>
-              <a:ext cx="215154" cy="215154"/>
-              <a:chOff x="3989295" y="6266329"/>
-              <a:chExt cx="286870" cy="286870"/>
-            </a:xfrm>
-          </p:grpSpPr>
-          <p:sp>
-            <p:nvSpPr>
-              <p:cNvPr id="16" name="楕円 15">
-                <a:extLst>
-                  <a:ext uri="{FF2B5EF4-FFF2-40B4-BE49-F238E27FC236}">
-                    <a16:creationId xmlns:a16="http://schemas.microsoft.com/office/drawing/2014/main" id="{2E0C2155-A429-F817-8386-928A81BA24B6}"/>
-                  </a:ext>
-                </a:extLst>
-              </p:cNvPr>
-              <p:cNvSpPr/>
-              <p:nvPr/>
-            </p:nvSpPr>
-            <p:spPr>
-              <a:xfrm>
-                <a:off x="3989295" y="6266329"/>
-                <a:ext cx="286870" cy="286870"/>
-              </a:xfrm>
-              <a:prstGeom prst="ellipse">
-                <a:avLst/>
-              </a:prstGeom>
-              <a:solidFill>
-                <a:schemeClr val="bg1"/>
-              </a:solidFill>
-              <a:ln>
-                <a:solidFill>
-                  <a:schemeClr val="tx1"/>
-                </a:solidFill>
-              </a:ln>
-            </p:spPr>
-            <p:style>
-              <a:lnRef idx="2">
-                <a:schemeClr val="accent1">
-                  <a:shade val="50000"/>
-                </a:schemeClr>
-              </a:lnRef>
-              <a:fillRef idx="1">
-                <a:schemeClr val="accent1"/>
-              </a:fillRef>
-              <a:effectRef idx="0">
-                <a:schemeClr val="accent1"/>
-              </a:effectRef>
-              <a:fontRef idx="minor">
-                <a:schemeClr val="lt1"/>
-              </a:fontRef>
-            </p:style>
-            <p:txBody>
-              <a:bodyPr rtlCol="0" anchor="ctr"/>
-              <a:lstStyle/>
-              <a:p>
-                <a:pPr algn="ctr"/>
-                <a:endParaRPr kumimoji="1" lang="ja-JP" altLang="en-US"/>
-              </a:p>
-            </p:txBody>
-          </p:sp>
-          <p:sp>
-            <p:nvSpPr>
-              <p:cNvPr id="17" name="楕円 16">
-                <a:extLst>
-                  <a:ext uri="{FF2B5EF4-FFF2-40B4-BE49-F238E27FC236}">
-                    <a16:creationId xmlns:a16="http://schemas.microsoft.com/office/drawing/2014/main" id="{E304F1A7-05A5-70A0-8872-B48CC753CF62}"/>
-                  </a:ext>
-                </a:extLst>
-              </p:cNvPr>
-              <p:cNvSpPr/>
-              <p:nvPr/>
-            </p:nvSpPr>
-            <p:spPr>
-              <a:xfrm flipH="1">
-                <a:off x="4038601" y="6315635"/>
-                <a:ext cx="188257" cy="188257"/>
-              </a:xfrm>
-              <a:prstGeom prst="ellipse">
-                <a:avLst/>
-              </a:prstGeom>
-              <a:solidFill>
-                <a:schemeClr val="tx1"/>
-              </a:solidFill>
-              <a:ln>
-                <a:solidFill>
-                  <a:schemeClr val="tx1"/>
-                </a:solidFill>
-              </a:ln>
-            </p:spPr>
-            <p:style>
-              <a:lnRef idx="2">
-                <a:schemeClr val="accent1">
-                  <a:shade val="50000"/>
-                </a:schemeClr>
-              </a:lnRef>
-              <a:fillRef idx="1">
-                <a:schemeClr val="accent1"/>
-              </a:fillRef>
-              <a:effectRef idx="0">
-                <a:schemeClr val="accent1"/>
-              </a:effectRef>
-              <a:fontRef idx="minor">
-                <a:schemeClr val="lt1"/>
-              </a:fontRef>
-            </p:style>
-            <p:txBody>
-              <a:bodyPr rtlCol="0" anchor="ctr"/>
-              <a:lstStyle/>
-              <a:p>
-                <a:pPr algn="ctr"/>
-                <a:endParaRPr kumimoji="1" lang="ja-JP" altLang="en-US"/>
-              </a:p>
-            </p:txBody>
-          </p:sp>
-        </p:grpSp>
-        <p:sp>
-          <p:nvSpPr>
-            <p:cNvPr id="20" name="楕円 19">
-              <a:extLst>
-                <a:ext uri="{FF2B5EF4-FFF2-40B4-BE49-F238E27FC236}">
-                  <a16:creationId xmlns:a16="http://schemas.microsoft.com/office/drawing/2014/main" id="{DE5C53E6-89A0-7D08-768A-3AE0754431F1}"/>
-                </a:ext>
-              </a:extLst>
-            </p:cNvPr>
-            <p:cNvSpPr/>
-            <p:nvPr/>
-          </p:nvSpPr>
-          <p:spPr>
-            <a:xfrm flipH="1">
-              <a:off x="6587191" y="4502573"/>
-              <a:ext cx="215154" cy="215154"/>
-            </a:xfrm>
-            <a:prstGeom prst="ellipse">
-              <a:avLst/>
-            </a:prstGeom>
-            <a:solidFill>
-              <a:schemeClr val="bg1"/>
-            </a:solidFill>
-            <a:ln>
-              <a:solidFill>
-                <a:schemeClr val="tx1"/>
-              </a:solidFill>
-            </a:ln>
-          </p:spPr>
-          <p:style>
-            <a:lnRef idx="2">
-              <a:schemeClr val="accent1">
-                <a:shade val="50000"/>
-              </a:schemeClr>
-            </a:lnRef>
-            <a:fillRef idx="1">
-              <a:schemeClr val="accent1"/>
-            </a:fillRef>
-            <a:effectRef idx="0">
-              <a:schemeClr val="accent1"/>
-            </a:effectRef>
-            <a:fontRef idx="minor">
-              <a:schemeClr val="lt1"/>
-            </a:fontRef>
-          </p:style>
-          <p:txBody>
-            <a:bodyPr rtlCol="0" anchor="ctr"/>
-            <a:lstStyle/>
-            <a:p>
-              <a:pPr algn="ctr"/>
-              <a:endParaRPr kumimoji="1" lang="ja-JP" altLang="en-US"/>
             </a:p>
           </p:txBody>
         </p:sp>
@@ -22528,10 +22345,10 @@
         </p:nvGrpSpPr>
         <p:grpSpPr>
           <a:xfrm>
-            <a:off x="1555376" y="4862122"/>
-            <a:ext cx="3321424" cy="750981"/>
-            <a:chOff x="627530" y="5379973"/>
-            <a:chExt cx="4363226" cy="1125588"/>
+            <a:off x="1286433" y="5068114"/>
+            <a:ext cx="4120405" cy="750981"/>
+            <a:chOff x="615752" y="5399713"/>
+            <a:chExt cx="4658060" cy="1125589"/>
           </a:xfrm>
         </p:grpSpPr>
         <p:sp>
@@ -22548,13 +22365,13 @@
           </p:nvSpPr>
           <p:spPr>
             <a:xfrm>
-              <a:off x="627530" y="5379973"/>
-              <a:ext cx="4363226" cy="1125588"/>
+              <a:off x="659310" y="5399713"/>
+              <a:ext cx="4363227" cy="1125589"/>
             </a:xfrm>
             <a:prstGeom prst="wedgeRectCallout">
               <a:avLst>
-                <a:gd name="adj1" fmla="val 43931"/>
-                <a:gd name="adj2" fmla="val -70514"/>
+                <a:gd name="adj1" fmla="val 74006"/>
+                <a:gd name="adj2" fmla="val -97970"/>
               </a:avLst>
             </a:prstGeom>
             <a:solidFill>
@@ -22605,8 +22422,8 @@
           </p:nvSpPr>
           <p:spPr>
             <a:xfrm>
-              <a:off x="662441" y="5499994"/>
-              <a:ext cx="4328315" cy="968736"/>
+              <a:off x="615752" y="5505279"/>
+              <a:ext cx="4658060" cy="968736"/>
             </a:xfrm>
             <a:prstGeom prst="rect">
               <a:avLst/>
@@ -22627,12 +22444,48 @@
                   <a:latin typeface="BIZ UDゴシック" panose="020B0400000000000000" pitchFamily="49" charset="-128"/>
                   <a:ea typeface="BIZ UDゴシック" panose="020B0400000000000000" pitchFamily="49" charset="-128"/>
                 </a:rPr>
-                <a:t>個数制限がある場合は「あり」の横のチェックボックスにチェックを入れ、横のテキストボックスに個数を入力します。</a:t>
+                <a:t>個数制限を設定する場合は、横のテキストボックスに</a:t>
               </a:r>
-              <a:endParaRPr kumimoji="1" lang="ja-JP" altLang="en-US" sz="1200" dirty="0">
+              <a:endParaRPr lang="en-US" altLang="ja-JP" sz="1200" dirty="0">
                 <a:latin typeface="BIZ UDゴシック" panose="020B0400000000000000" pitchFamily="49" charset="-128"/>
                 <a:ea typeface="BIZ UDゴシック" panose="020B0400000000000000" pitchFamily="49" charset="-128"/>
               </a:endParaRPr>
+            </a:p>
+            <a:p>
+              <a:r>
+                <a:rPr lang="ja-JP" altLang="en-US" sz="1200" dirty="0">
+                  <a:latin typeface="BIZ UDゴシック" panose="020B0400000000000000" pitchFamily="49" charset="-128"/>
+                  <a:ea typeface="BIZ UDゴシック" panose="020B0400000000000000" pitchFamily="49" charset="-128"/>
+                </a:rPr>
+                <a:t>個数を入力します。</a:t>
+              </a:r>
+              <a:endParaRPr lang="en-US" altLang="ja-JP" sz="1200" dirty="0">
+                <a:latin typeface="BIZ UDゴシック" panose="020B0400000000000000" pitchFamily="49" charset="-128"/>
+                <a:ea typeface="BIZ UDゴシック" panose="020B0400000000000000" pitchFamily="49" charset="-128"/>
+              </a:endParaRPr>
+            </a:p>
+            <a:p>
+              <a:r>
+                <a:rPr kumimoji="1" lang="ja-JP" altLang="en-US" sz="1200" dirty="0">
+                  <a:latin typeface="BIZ UDゴシック" panose="020B0400000000000000" pitchFamily="49" charset="-128"/>
+                  <a:ea typeface="BIZ UDゴシック" panose="020B0400000000000000" pitchFamily="49" charset="-128"/>
+                </a:rPr>
+                <a:t>個数制限を設定しない場合は、</a:t>
+              </a:r>
+              <a:r>
+                <a:rPr kumimoji="1" lang="en-US" altLang="ja-JP" sz="1200" dirty="0">
+                  <a:latin typeface="BIZ UDゴシック" panose="020B0400000000000000" pitchFamily="49" charset="-128"/>
+                  <a:ea typeface="BIZ UDゴシック" panose="020B0400000000000000" pitchFamily="49" charset="-128"/>
+                </a:rPr>
+                <a:t>0</a:t>
+              </a:r>
+              <a:r>
+                <a:rPr kumimoji="1" lang="ja-JP" altLang="en-US" sz="1200" dirty="0">
+                  <a:latin typeface="BIZ UDゴシック" panose="020B0400000000000000" pitchFamily="49" charset="-128"/>
+                  <a:ea typeface="BIZ UDゴシック" panose="020B0400000000000000" pitchFamily="49" charset="-128"/>
+                </a:rPr>
+                <a:t>と入力します。</a:t>
+              </a:r>
             </a:p>
           </p:txBody>
         </p:sp>
@@ -22891,10 +22744,10 @@
       </p:sp>
       <p:sp>
         <p:nvSpPr>
-          <p:cNvPr id="35" name="テキスト ボックス 34">
+          <p:cNvPr id="3" name="テキスト ボックス 2">
             <a:extLst>
               <a:ext uri="{FF2B5EF4-FFF2-40B4-BE49-F238E27FC236}">
-                <a16:creationId xmlns:a16="http://schemas.microsoft.com/office/drawing/2014/main" id="{3E78913D-3BDE-638E-35D5-F1AD9217DC94}"/>
+                <a16:creationId xmlns:a16="http://schemas.microsoft.com/office/drawing/2014/main" id="{C9A4D51F-A84B-43E8-A8AA-0B87FAD81926}"/>
               </a:ext>
             </a:extLst>
           </p:cNvPr>
@@ -22903,8 +22756,8 @@
         </p:nvSpPr>
         <p:spPr>
           <a:xfrm>
-            <a:off x="7532222" y="4480111"/>
-            <a:ext cx="1541930" cy="276999"/>
+            <a:off x="5011270" y="4364073"/>
+            <a:ext cx="3056965" cy="276999"/>
           </a:xfrm>
           <a:prstGeom prst="rect">
             <a:avLst/>
@@ -22918,13 +22771,36 @@
           <a:lstStyle/>
           <a:p>
             <a:r>
-              <a:rPr kumimoji="1" lang="ja-JP" altLang="en-US" sz="1200" b="1" dirty="0">
+              <a:rPr lang="ja-JP" altLang="en-US" sz="1200" b="1" i="0" dirty="0">
                 <a:solidFill>
-                  <a:srgbClr val="FF0000"/>
+                  <a:srgbClr val="4C4C4C"/>
                 </a:solidFill>
+                <a:effectLst/>
+                <a:latin typeface="ui-sans-serif"/>
               </a:rPr>
-              <a:t>チェックボックス</a:t>
+              <a:t>個数制限を設けないなら「</a:t>
             </a:r>
+            <a:r>
+              <a:rPr lang="en-US" altLang="ja-JP" sz="1200" b="1" i="0" dirty="0">
+                <a:solidFill>
+                  <a:srgbClr val="4C4C4C"/>
+                </a:solidFill>
+                <a:effectLst/>
+                <a:latin typeface="ui-sans-serif"/>
+              </a:rPr>
+              <a:t>0</a:t>
+            </a:r>
+            <a:r>
+              <a:rPr lang="ja-JP" altLang="en-US" sz="1200" b="1" i="0" dirty="0">
+                <a:solidFill>
+                  <a:srgbClr val="4C4C4C"/>
+                </a:solidFill>
+                <a:effectLst/>
+                <a:latin typeface="ui-sans-serif"/>
+              </a:rPr>
+              <a:t>」で登録！</a:t>
+            </a:r>
+            <a:endParaRPr kumimoji="1" lang="ja-JP" altLang="en-US" sz="1200" dirty="0"/>
           </a:p>
         </p:txBody>
       </p:sp>
@@ -25870,7 +25746,7 @@
             <a:p>
               <a:r>
                 <a:rPr lang="ja-JP" altLang="en-US" dirty="0"/>
-                <a:t>個数制限：　　　　　あり　　　個　　　なし</a:t>
+                <a:t>個数制限：　　　　　　　</a:t>
               </a:r>
               <a:endParaRPr kumimoji="1" lang="en-US" altLang="ja-JP" dirty="0"/>
             </a:p>
@@ -26223,7 +26099,7 @@
           </p:nvSpPr>
           <p:spPr>
             <a:xfrm>
-              <a:off x="5430741" y="5066887"/>
+              <a:off x="6063589" y="5049985"/>
               <a:ext cx="385483" cy="248344"/>
             </a:xfrm>
             <a:prstGeom prst="rect">
@@ -26272,189 +26148,6 @@
                   <a:schemeClr val="tx1"/>
                 </a:solidFill>
               </a:endParaRPr>
-            </a:p>
-          </p:txBody>
-        </p:sp>
-        <p:grpSp>
-          <p:nvGrpSpPr>
-            <p:cNvPr id="14" name="グループ化 13">
-              <a:extLst>
-                <a:ext uri="{FF2B5EF4-FFF2-40B4-BE49-F238E27FC236}">
-                  <a16:creationId xmlns:a16="http://schemas.microsoft.com/office/drawing/2014/main" id="{BA915FED-330F-7FBD-6B17-5BA9DC27F8C1}"/>
-                </a:ext>
-              </a:extLst>
-            </p:cNvPr>
-            <p:cNvGrpSpPr/>
-            <p:nvPr/>
-          </p:nvGrpSpPr>
-          <p:grpSpPr>
-            <a:xfrm flipH="1">
-              <a:off x="4501821" y="5054064"/>
-              <a:ext cx="215154" cy="215154"/>
-              <a:chOff x="3913036" y="7001645"/>
-              <a:chExt cx="286870" cy="286870"/>
-            </a:xfrm>
-          </p:grpSpPr>
-          <p:sp>
-            <p:nvSpPr>
-              <p:cNvPr id="16" name="楕円 15">
-                <a:extLst>
-                  <a:ext uri="{FF2B5EF4-FFF2-40B4-BE49-F238E27FC236}">
-                    <a16:creationId xmlns:a16="http://schemas.microsoft.com/office/drawing/2014/main" id="{C0A2261C-FB62-FDCD-5721-E6A762515909}"/>
-                  </a:ext>
-                </a:extLst>
-              </p:cNvPr>
-              <p:cNvSpPr/>
-              <p:nvPr/>
-            </p:nvSpPr>
-            <p:spPr>
-              <a:xfrm>
-                <a:off x="3913036" y="7001645"/>
-                <a:ext cx="286870" cy="286870"/>
-              </a:xfrm>
-              <a:prstGeom prst="ellipse">
-                <a:avLst/>
-              </a:prstGeom>
-              <a:solidFill>
-                <a:schemeClr val="bg1"/>
-              </a:solidFill>
-              <a:ln>
-                <a:solidFill>
-                  <a:schemeClr val="tx1"/>
-                </a:solidFill>
-              </a:ln>
-            </p:spPr>
-            <p:style>
-              <a:lnRef idx="2">
-                <a:schemeClr val="accent1">
-                  <a:shade val="50000"/>
-                </a:schemeClr>
-              </a:lnRef>
-              <a:fillRef idx="1">
-                <a:schemeClr val="accent1"/>
-              </a:fillRef>
-              <a:effectRef idx="0">
-                <a:schemeClr val="accent1"/>
-              </a:effectRef>
-              <a:fontRef idx="minor">
-                <a:schemeClr val="lt1"/>
-              </a:fontRef>
-            </p:style>
-            <p:txBody>
-              <a:bodyPr rtlCol="0" anchor="ctr"/>
-              <a:lstStyle/>
-              <a:p>
-                <a:pPr algn="ctr"/>
-                <a:endParaRPr kumimoji="1" lang="ja-JP" altLang="en-US"/>
-              </a:p>
-            </p:txBody>
-          </p:sp>
-          <p:sp>
-            <p:nvSpPr>
-              <p:cNvPr id="17" name="楕円 16">
-                <a:extLst>
-                  <a:ext uri="{FF2B5EF4-FFF2-40B4-BE49-F238E27FC236}">
-                    <a16:creationId xmlns:a16="http://schemas.microsoft.com/office/drawing/2014/main" id="{3F7A7D82-91FD-4149-41D6-ED0B2CB413DF}"/>
-                  </a:ext>
-                </a:extLst>
-              </p:cNvPr>
-              <p:cNvSpPr/>
-              <p:nvPr/>
-            </p:nvSpPr>
-            <p:spPr>
-              <a:xfrm flipH="1">
-                <a:off x="3962321" y="7055110"/>
-                <a:ext cx="188257" cy="188256"/>
-              </a:xfrm>
-              <a:prstGeom prst="ellipse">
-                <a:avLst/>
-              </a:prstGeom>
-              <a:solidFill>
-                <a:schemeClr val="tx1"/>
-              </a:solidFill>
-              <a:ln>
-                <a:solidFill>
-                  <a:schemeClr val="tx1"/>
-                </a:solidFill>
-              </a:ln>
-            </p:spPr>
-            <p:style>
-              <a:lnRef idx="2">
-                <a:schemeClr val="accent1">
-                  <a:shade val="50000"/>
-                </a:schemeClr>
-              </a:lnRef>
-              <a:fillRef idx="1">
-                <a:schemeClr val="accent1"/>
-              </a:fillRef>
-              <a:effectRef idx="0">
-                <a:schemeClr val="accent1"/>
-              </a:effectRef>
-              <a:fontRef idx="minor">
-                <a:schemeClr val="lt1"/>
-              </a:fontRef>
-            </p:style>
-            <p:txBody>
-              <a:bodyPr rtlCol="0" anchor="ctr"/>
-              <a:lstStyle/>
-              <a:p>
-                <a:pPr algn="ctr"/>
-                <a:endParaRPr kumimoji="1" lang="ja-JP" altLang="en-US"/>
-              </a:p>
-            </p:txBody>
-          </p:sp>
-        </p:grpSp>
-        <p:sp>
-          <p:nvSpPr>
-            <p:cNvPr id="15" name="楕円 14">
-              <a:extLst>
-                <a:ext uri="{FF2B5EF4-FFF2-40B4-BE49-F238E27FC236}">
-                  <a16:creationId xmlns:a16="http://schemas.microsoft.com/office/drawing/2014/main" id="{E02C4384-1922-766C-2A80-A79B8BFEA045}"/>
-                </a:ext>
-              </a:extLst>
-            </p:cNvPr>
-            <p:cNvSpPr/>
-            <p:nvPr/>
-          </p:nvSpPr>
-          <p:spPr>
-            <a:xfrm flipH="1">
-              <a:off x="6564601" y="5057174"/>
-              <a:ext cx="215154" cy="215154"/>
-            </a:xfrm>
-            <a:prstGeom prst="ellipse">
-              <a:avLst/>
-            </a:prstGeom>
-            <a:solidFill>
-              <a:schemeClr val="bg1"/>
-            </a:solidFill>
-            <a:ln>
-              <a:solidFill>
-                <a:schemeClr val="tx1"/>
-              </a:solidFill>
-            </a:ln>
-          </p:spPr>
-          <p:style>
-            <a:lnRef idx="2">
-              <a:schemeClr val="accent1">
-                <a:shade val="50000"/>
-              </a:schemeClr>
-            </a:lnRef>
-            <a:fillRef idx="1">
-              <a:schemeClr val="accent1"/>
-            </a:fillRef>
-            <a:effectRef idx="0">
-              <a:schemeClr val="accent1"/>
-            </a:effectRef>
-            <a:fontRef idx="minor">
-              <a:schemeClr val="lt1"/>
-            </a:fontRef>
-          </p:style>
-          <p:txBody>
-            <a:bodyPr rtlCol="0" anchor="ctr"/>
-            <a:lstStyle/>
-            <a:p>
-              <a:pPr algn="ctr"/>
-              <a:endParaRPr kumimoji="1" lang="ja-JP" altLang="en-US"/>
             </a:p>
           </p:txBody>
         </p:sp>
